--- a/Certificado_Carlos.pptx
+++ b/Certificado_Carlos.pptx
@@ -6,9 +6,10 @@
   </p:sldMasterIdLst>
   <p:sldIdLst>
     <p:sldId id="256" r:id="rId2"/>
+    <p:sldId id="257" r:id="rId3"/>
   </p:sldIdLst>
   <p:notesMasterIdLst>
-    <p:notesMasterId r:id="rId3"/>
+    <p:notesMasterId r:id="rId4"/>
   </p:notesMasterIdLst>
   <p:sldSz cx="9144000" cy="5143500"/>
   <p:notesSz cx="5143500" cy="9144000"/>
@@ -526,6 +527,94 @@
             <a:fld id="{F7021451-1387-4CA6-816F-3879F97B5CBC}" type="slidenum">
               <a:rPr lang="en-US"/>
               <a:t>1</a:t>
+            </a:fld>
+            <a:endParaRPr lang="en-US"/>
+          </a:p>
+        </p:txBody>
+      </p:sp>
+    </p:spTree>
+    <p:extLst>
+      <p:ext uri="{BB962C8B-B14F-4D97-AF65-F5344CB8AC3E}">
+        <p14:creationId xmlns:p14="http://schemas.microsoft.com/office/powerpoint/2010/main" val="1024086991"/>
+      </p:ext>
+    </p:extLst>
+  </p:cSld>
+  <p:clrMapOvr>
+    <a:masterClrMapping/>
+  </p:clrMapOvr>
+</p:notes>
+</file>
+
+<file path=ppt/notesSlides/notesSlide2.xml><?xml version="1.0" encoding="utf-8"?>
+<p:notes xmlns:a="http://schemas.openxmlformats.org/drawingml/2006/main" xmlns:r="http://schemas.openxmlformats.org/officeDocument/2006/relationships" xmlns:p="http://schemas.openxmlformats.org/presentationml/2006/main">
+  <p:cSld>
+    <p:spTree>
+      <p:nvGrpSpPr>
+        <p:cNvPr id="1" name=""/>
+        <p:cNvGrpSpPr/>
+        <p:nvPr/>
+      </p:nvGrpSpPr>
+      <p:grpSpPr>
+        <a:xfrm>
+          <a:off x="0" y="0"/>
+          <a:ext cx="0" cy="0"/>
+          <a:chOff x="0" y="0"/>
+          <a:chExt cx="0" cy="0"/>
+        </a:xfrm>
+      </p:grpSpPr>
+      <p:sp>
+        <p:nvSpPr>
+          <p:cNvPr id="2" name="Slide Image Placeholder 1"/>
+          <p:cNvSpPr>
+            <a:spLocks noGrp="1" noRot="1" noChangeAspect="1"/>
+          </p:cNvSpPr>
+          <p:nvPr>
+            <p:ph type="sldImg"/>
+          </p:nvPr>
+        </p:nvSpPr>
+        <p:spPr/>
+      </p:sp>
+      <p:sp>
+        <p:nvSpPr>
+          <p:cNvPr id="3" name="Notes Placeholder 2"/>
+          <p:cNvSpPr>
+            <a:spLocks noGrp="1"/>
+          </p:cNvSpPr>
+          <p:nvPr>
+            <p:ph type="body" idx="1"/>
+          </p:nvPr>
+        </p:nvSpPr>
+        <p:spPr/>
+        <p:txBody>
+          <a:bodyPr/>
+          <a:lstStyle/>
+          <a:p>
+            <a:r>
+              <a:rPr lang="en-US" dirty="0"/>
+              <a:t/>
+            </a:r>
+            <a:endParaRPr lang="en-US" dirty="0"/>
+          </a:p>
+        </p:txBody>
+      </p:sp>
+      <p:sp>
+        <p:nvSpPr>
+          <p:cNvPr id="4" name="Slide Number Placeholder 3"/>
+          <p:cNvSpPr>
+            <a:spLocks noGrp="1"/>
+          </p:cNvSpPr>
+          <p:nvPr>
+            <p:ph type="sldNum" sz="quarter" idx="10"/>
+          </p:nvPr>
+        </p:nvSpPr>
+        <p:spPr/>
+        <p:txBody>
+          <a:bodyPr/>
+          <a:lstStyle/>
+          <a:p>
+            <a:fld id="{F7021451-1387-4CA6-816F-3879F97B5CBC}" type="slidenum">
+              <a:rPr lang="en-US"/>
+              <a:t>2</a:t>
             </a:fld>
             <a:endParaRPr lang="en-US"/>
           </a:p>
@@ -870,7 +959,7 @@
       </p:grpSpPr>
       <p:pic>
         <p:nvPicPr>
-          <p:cNvPr id="2" name="Image 0" descr="certificado.jpg">    </p:cNvPr>
+          <p:cNvPr id="2" name="Image 0" descr="CertificadosNR35.png">    </p:cNvPr>
           <p:cNvPicPr>
             <a:picLocks noChangeAspect="1"/>
           </p:cNvPicPr>
@@ -899,7 +988,7 @@
         </p:nvSpPr>
         <p:spPr>
           <a:xfrm>
-            <a:off x="1097280" y="2571750"/>
+            <a:off x="1097280" y="2211705"/>
             <a:ext cx="6858000" cy="0"/>
           </a:xfrm>
           <a:prstGeom prst="rect">
@@ -912,11 +1001,11 @@
           <a:bodyPr wrap="square" rtlCol="0" anchor="ctr"/>
           <a:lstStyle/>
           <a:p>
-            <a:pPr algn="ctr" indent="0" marL="0">
+            <a:pPr algn="l" indent="0" marL="0">
               <a:buNone/>
             </a:pPr>
             <a:r>
-              <a:rPr lang="en-US" sz="1400" dirty="0">
+              <a:rPr lang="en-US" sz="1300" spc="100" kern="0" dirty="0">
                 <a:solidFill>
                   <a:srgbClr val="363636"/>
                 </a:solidFill>
@@ -924,12 +1013,99 @@
                 <a:ea typeface="Arial" pitchFamily="34" charset="-122"/>
                 <a:cs typeface="Arial" pitchFamily="34" charset="-120"/>
               </a:rPr>
-              <a:t>Certificamos para todos os fins que Carlos, portador(a) do CPF: 454.241.046-05, concluiu o curso Cipa, realizado no dia 16/03/2024, com carga horária de 10hrs horas e conteúdo programático relacionado no verso, promovido nas dependências da empresa GM, Rua Ademar de Barros.</a:t>
+              <a:t>Certifico que Carlos, portador(a) do CPF: 454.241.046-05, patrocinado pela GM, participou e foi aprovado no treinamento de Cipa,  com carga horária de 12 horas, realizado no dia 16/03/2024, ministrado pelo Engenheiro de Segurança do Trabalho, Marcos Rogério dos Santos, CREA/ SP – 5.061.417.650 .</a:t>
             </a:r>
-            <a:endParaRPr lang="en-US" sz="1400" dirty="0"/>
+            <a:endParaRPr lang="en-US" sz="1300" dirty="0"/>
           </a:p>
         </p:txBody>
       </p:sp>
+      <p:sp>
+        <p:nvSpPr>
+          <p:cNvPr id="4" name="Text 1"/>
+          <p:cNvSpPr/>
+          <p:nvPr/>
+        </p:nvSpPr>
+        <p:spPr>
+          <a:xfrm>
+            <a:off x="3383280" y="2931795"/>
+            <a:ext cx="6858000" cy="0"/>
+          </a:xfrm>
+          <a:prstGeom prst="rect">
+            <a:avLst/>
+          </a:prstGeom>
+          <a:noFill/>
+          <a:ln/>
+        </p:spPr>
+        <p:txBody>
+          <a:bodyPr wrap="square" rtlCol="0" anchor="ctr"/>
+          <a:lstStyle/>
+          <a:p>
+            <a:pPr algn="ctr" indent="0" marL="0">
+              <a:buNone/>
+            </a:pPr>
+            <a:r>
+              <a:rPr lang="en-US" sz="1250" spc="100" kern="0" dirty="0">
+                <a:solidFill>
+                  <a:srgbClr val="363636"/>
+                </a:solidFill>
+                <a:latin typeface="Arial" pitchFamily="34" charset="0"/>
+                <a:ea typeface="Arial" pitchFamily="34" charset="-122"/>
+                <a:cs typeface="Arial" pitchFamily="34" charset="-120"/>
+              </a:rPr>
+              <a:t>São Paulo, 16/03/2024 </a:t>
+            </a:r>
+            <a:endParaRPr lang="en-US" sz="1250" dirty="0"/>
+          </a:p>
+        </p:txBody>
+      </p:sp>
+    </p:spTree>
+  </p:cSld>
+  <p:clrMapOvr>
+    <a:masterClrMapping/>
+  </p:clrMapOvr>
+</p:sld>
+</file>
+
+<file path=ppt/slides/slide2.xml><?xml version="1.0" encoding="utf-8"?>
+<p:sld xmlns:a="http://schemas.openxmlformats.org/drawingml/2006/main" xmlns:r="http://schemas.openxmlformats.org/officeDocument/2006/relationships" xmlns:p="http://schemas.openxmlformats.org/presentationml/2006/main">
+  <p:cSld name="Slide 2">
+    <p:spTree>
+      <p:nvGrpSpPr>
+        <p:cNvPr id="1" name=""/>
+        <p:cNvGrpSpPr/>
+        <p:nvPr/>
+      </p:nvGrpSpPr>
+      <p:grpSpPr>
+        <a:xfrm>
+          <a:off x="0" y="0"/>
+          <a:ext cx="0" cy="0"/>
+          <a:chOff x="0" y="0"/>
+          <a:chExt cx="0" cy="0"/>
+        </a:xfrm>
+      </p:grpSpPr>
+      <p:pic>
+        <p:nvPicPr>
+          <p:cNvPr id="2" name="Image 0" descr="NR35_ContProg.png">    </p:cNvPr>
+          <p:cNvPicPr>
+            <a:picLocks noChangeAspect="1"/>
+          </p:cNvPicPr>
+          <p:nvPr/>
+        </p:nvPicPr>
+        <p:blipFill>
+          <a:blip r:embed="rId1"/>
+          <a:srcRect l="0" r="0" t="0" b="0"/>
+          <a:stretch/>
+        </p:blipFill>
+        <p:spPr>
+          <a:xfrm>
+            <a:off x="0" y="0"/>
+            <a:ext cx="9144000" cy="5143500"/>
+          </a:xfrm>
+          <a:prstGeom prst="rect">
+            <a:avLst/>
+          </a:prstGeom>
+        </p:spPr>
+      </p:pic>
     </p:spTree>
   </p:cSld>
   <p:clrMapOvr>
